--- a/Documentation/Presentation.pptx
+++ b/Documentation/Presentation.pptx
@@ -3700,8 +3700,8 @@
         </p:nvSpPr>
         <p:spPr>
           <a:xfrm flipH="false" flipV="false" rot="0">
-            <a:off x="1028700" y="2554299"/>
-            <a:ext cx="5368894" cy="7496630"/>
+            <a:off x="6191148" y="5143500"/>
+            <a:ext cx="11068152" cy="4114800"/>
           </a:xfrm>
           <a:custGeom>
             <a:avLst/>
@@ -3710,18 +3710,18 @@
             <a:cxnLst/>
             <a:rect r="r" b="b" t="t" l="l"/>
             <a:pathLst>
-              <a:path h="7496630" w="5368894">
+              <a:path h="4114800" w="11068152">
                 <a:moveTo>
                   <a:pt x="0" y="0"/>
                 </a:moveTo>
                 <a:lnTo>
-                  <a:pt x="5368894" y="0"/>
-                </a:lnTo>
-                <a:lnTo>
-                  <a:pt x="5368894" y="7496630"/>
-                </a:lnTo>
-                <a:lnTo>
-                  <a:pt x="0" y="7496630"/>
+                  <a:pt x="11068152" y="0"/>
+                </a:lnTo>
+                <a:lnTo>
+                  <a:pt x="11068152" y="4114800"/>
+                </a:lnTo>
+                <a:lnTo>
+                  <a:pt x="0" y="4114800"/>
                 </a:lnTo>
                 <a:lnTo>
                   <a:pt x="0" y="0"/>
@@ -3733,60 +3733,14 @@
           <a:blipFill>
             <a:blip r:embed="rId3"/>
             <a:stretch>
-              <a:fillRect l="0" t="-542" r="0" b="-542"/>
+              <a:fillRect l="0" t="0" r="0" b="0"/>
             </a:stretch>
           </a:blipFill>
         </p:spPr>
       </p:sp>
       <p:sp>
         <p:nvSpPr>
-          <p:cNvPr name="Freeform 4" id="4"/>
-          <p:cNvSpPr/>
-          <p:nvPr/>
-        </p:nvSpPr>
-        <p:spPr>
-          <a:xfrm flipH="false" flipV="false" rot="0">
-            <a:off x="7742540" y="4553222"/>
-            <a:ext cx="5762911" cy="5497706"/>
-          </a:xfrm>
-          <a:custGeom>
-            <a:avLst/>
-            <a:gdLst/>
-            <a:ahLst/>
-            <a:cxnLst/>
-            <a:rect r="r" b="b" t="t" l="l"/>
-            <a:pathLst>
-              <a:path h="5497706" w="5762911">
-                <a:moveTo>
-                  <a:pt x="0" y="0"/>
-                </a:moveTo>
-                <a:lnTo>
-                  <a:pt x="5762911" y="0"/>
-                </a:lnTo>
-                <a:lnTo>
-                  <a:pt x="5762911" y="5497707"/>
-                </a:lnTo>
-                <a:lnTo>
-                  <a:pt x="0" y="5497707"/>
-                </a:lnTo>
-                <a:lnTo>
-                  <a:pt x="0" y="0"/>
-                </a:lnTo>
-                <a:close/>
-              </a:path>
-            </a:pathLst>
-          </a:custGeom>
-          <a:blipFill>
-            <a:blip r:embed="rId4"/>
-            <a:stretch>
-              <a:fillRect l="0" t="-5889" r="0" b="-705"/>
-            </a:stretch>
-          </a:blipFill>
-        </p:spPr>
-      </p:sp>
-      <p:sp>
-        <p:nvSpPr>
-          <p:cNvPr name="TextBox 5" id="5"/>
+          <p:cNvPr name="TextBox 4" id="4"/>
           <p:cNvSpPr txBox="true"/>
           <p:nvPr/>
         </p:nvSpPr>
@@ -3827,13 +3781,13 @@
       </p:sp>
       <p:sp>
         <p:nvSpPr>
-          <p:cNvPr name="TextBox 6" id="6"/>
+          <p:cNvPr name="TextBox 5" id="5"/>
           <p:cNvSpPr txBox="true"/>
           <p:nvPr/>
         </p:nvSpPr>
         <p:spPr>
           <a:xfrm rot="0">
-            <a:off x="8693468" y="2525724"/>
+            <a:off x="1028700" y="2839951"/>
             <a:ext cx="6466604" cy="2303549"/>
           </a:xfrm>
           <a:prstGeom prst="rect">
